--- a/Plazma Duel1.pptx
+++ b/Plazma Duel1.pptx
@@ -266,7 +266,7 @@
           <a:p>
             <a:fld id="{E260669F-9969-4BDA-ACA7-40DDF2A94419}" type="datetimeFigureOut">
               <a:rPr lang="ko-KR" altLang="en-US" smtClean="0"/>
-              <a:t>2023-10-17</a:t>
+              <a:t>2023-11-13</a:t>
             </a:fld>
             <a:endParaRPr lang="ko-KR" altLang="en-US"/>
           </a:p>
@@ -464,7 +464,7 @@
           <a:p>
             <a:fld id="{E260669F-9969-4BDA-ACA7-40DDF2A94419}" type="datetimeFigureOut">
               <a:rPr lang="ko-KR" altLang="en-US" smtClean="0"/>
-              <a:t>2023-10-17</a:t>
+              <a:t>2023-11-13</a:t>
             </a:fld>
             <a:endParaRPr lang="ko-KR" altLang="en-US"/>
           </a:p>
@@ -672,7 +672,7 @@
           <a:p>
             <a:fld id="{E260669F-9969-4BDA-ACA7-40DDF2A94419}" type="datetimeFigureOut">
               <a:rPr lang="ko-KR" altLang="en-US" smtClean="0"/>
-              <a:t>2023-10-17</a:t>
+              <a:t>2023-11-13</a:t>
             </a:fld>
             <a:endParaRPr lang="ko-KR" altLang="en-US"/>
           </a:p>
@@ -870,7 +870,7 @@
           <a:p>
             <a:fld id="{E260669F-9969-4BDA-ACA7-40DDF2A94419}" type="datetimeFigureOut">
               <a:rPr lang="ko-KR" altLang="en-US" smtClean="0"/>
-              <a:t>2023-10-17</a:t>
+              <a:t>2023-11-13</a:t>
             </a:fld>
             <a:endParaRPr lang="ko-KR" altLang="en-US"/>
           </a:p>
@@ -1145,7 +1145,7 @@
           <a:p>
             <a:fld id="{E260669F-9969-4BDA-ACA7-40DDF2A94419}" type="datetimeFigureOut">
               <a:rPr lang="ko-KR" altLang="en-US" smtClean="0"/>
-              <a:t>2023-10-17</a:t>
+              <a:t>2023-11-13</a:t>
             </a:fld>
             <a:endParaRPr lang="ko-KR" altLang="en-US"/>
           </a:p>
@@ -1410,7 +1410,7 @@
           <a:p>
             <a:fld id="{E260669F-9969-4BDA-ACA7-40DDF2A94419}" type="datetimeFigureOut">
               <a:rPr lang="ko-KR" altLang="en-US" smtClean="0"/>
-              <a:t>2023-10-17</a:t>
+              <a:t>2023-11-13</a:t>
             </a:fld>
             <a:endParaRPr lang="ko-KR" altLang="en-US"/>
           </a:p>
@@ -1822,7 +1822,7 @@
           <a:p>
             <a:fld id="{E260669F-9969-4BDA-ACA7-40DDF2A94419}" type="datetimeFigureOut">
               <a:rPr lang="ko-KR" altLang="en-US" smtClean="0"/>
-              <a:t>2023-10-17</a:t>
+              <a:t>2023-11-13</a:t>
             </a:fld>
             <a:endParaRPr lang="ko-KR" altLang="en-US"/>
           </a:p>
@@ -1963,7 +1963,7 @@
           <a:p>
             <a:fld id="{E260669F-9969-4BDA-ACA7-40DDF2A94419}" type="datetimeFigureOut">
               <a:rPr lang="ko-KR" altLang="en-US" smtClean="0"/>
-              <a:t>2023-10-17</a:t>
+              <a:t>2023-11-13</a:t>
             </a:fld>
             <a:endParaRPr lang="ko-KR" altLang="en-US"/>
           </a:p>
@@ -2076,7 +2076,7 @@
           <a:p>
             <a:fld id="{E260669F-9969-4BDA-ACA7-40DDF2A94419}" type="datetimeFigureOut">
               <a:rPr lang="ko-KR" altLang="en-US" smtClean="0"/>
-              <a:t>2023-10-17</a:t>
+              <a:t>2023-11-13</a:t>
             </a:fld>
             <a:endParaRPr lang="ko-KR" altLang="en-US"/>
           </a:p>
@@ -2387,7 +2387,7 @@
           <a:p>
             <a:fld id="{E260669F-9969-4BDA-ACA7-40DDF2A94419}" type="datetimeFigureOut">
               <a:rPr lang="ko-KR" altLang="en-US" smtClean="0"/>
-              <a:t>2023-10-17</a:t>
+              <a:t>2023-11-13</a:t>
             </a:fld>
             <a:endParaRPr lang="ko-KR" altLang="en-US"/>
           </a:p>
@@ -2675,7 +2675,7 @@
           <a:p>
             <a:fld id="{E260669F-9969-4BDA-ACA7-40DDF2A94419}" type="datetimeFigureOut">
               <a:rPr lang="ko-KR" altLang="en-US" smtClean="0"/>
-              <a:t>2023-10-17</a:t>
+              <a:t>2023-11-13</a:t>
             </a:fld>
             <a:endParaRPr lang="ko-KR" altLang="en-US"/>
           </a:p>
@@ -2916,7 +2916,7 @@
           <a:p>
             <a:fld id="{E260669F-9969-4BDA-ACA7-40DDF2A94419}" type="datetimeFigureOut">
               <a:rPr lang="ko-KR" altLang="en-US" smtClean="0"/>
-              <a:t>2023-10-17</a:t>
+              <a:t>2023-11-13</a:t>
             </a:fld>
             <a:endParaRPr lang="ko-KR" altLang="en-US"/>
           </a:p>
@@ -5723,7 +5723,7 @@
             <p:ph idx="1"/>
             <p:extLst>
               <p:ext uri="{D42A27DB-BD31-4B8C-83A1-F6EECF244321}">
-                <p14:modId xmlns:p14="http://schemas.microsoft.com/office/powerpoint/2010/main" val="2279346130"/>
+                <p14:modId xmlns:p14="http://schemas.microsoft.com/office/powerpoint/2010/main" val="3919773778"/>
               </p:ext>
             </p:extLst>
           </p:nvPr>
@@ -6314,6 +6314,30 @@
                     <a:p>
                       <a:pPr algn="ctr" latinLnBrk="1"/>
                       <a:r>
+                        <a:rPr lang="en-US" altLang="ko-KR" b="1">
+                          <a:solidFill>
+                            <a:schemeClr val="bg1"/>
+                          </a:solidFill>
+                        </a:rPr>
+                        <a:t>UI </a:t>
+                      </a:r>
+                      <a:r>
+                        <a:rPr lang="ko-KR" altLang="en-US" b="1">
+                          <a:solidFill>
+                            <a:schemeClr val="bg1"/>
+                          </a:solidFill>
+                        </a:rPr>
+                        <a:t>구현</a:t>
+                      </a:r>
+                      <a:r>
+                        <a:rPr lang="en-US" altLang="ko-KR" b="1">
+                          <a:solidFill>
+                            <a:schemeClr val="bg1"/>
+                          </a:solidFill>
+                        </a:rPr>
+                        <a:t>/</a:t>
+                      </a:r>
+                      <a:r>
                         <a:rPr lang="ko-KR" altLang="en-US" b="1">
                           <a:solidFill>
                             <a:schemeClr val="bg1"/>
